--- a/doc/genome_scale_pipeline/tutorial_steps.pptx
+++ b/doc/genome_scale_pipeline/tutorial_steps.pptx
@@ -5,10 +5,11 @@
     <p:sldMasterId id="2147483648" r:id="rId1"/>
   </p:sldMasterIdLst>
   <p:notesMasterIdLst>
-    <p:notesMasterId r:id="rId3"/>
+    <p:notesMasterId r:id="rId4"/>
   </p:notesMasterIdLst>
   <p:sldIdLst>
     <p:sldId id="273" r:id="rId2"/>
+    <p:sldId id="274" r:id="rId3"/>
   </p:sldIdLst>
   <p:sldSz cx="12192000" cy="6858000"/>
   <p:notesSz cx="6858000" cy="9144000"/>
@@ -196,7 +197,7 @@
           </a:lstStyle>
           <a:p>
             <a:fld id="{49500105-9C48-984E-9CDC-F1375D25D7E6}" type="datetimeFigureOut">
-              <a:t>02/06/2025</a:t>
+              <a:t>21/06/2025</a:t>
             </a:fld>
             <a:endParaRPr lang="fr-FR"/>
           </a:p>
@@ -569,6 +570,113 @@
 </p:notes>
 </file>
 
+<file path=ppt/notesSlides/notesSlide2.xml><?xml version="1.0" encoding="utf-8"?>
+<p:notes xmlns:a="http://schemas.openxmlformats.org/drawingml/2006/main" xmlns:r="http://schemas.openxmlformats.org/officeDocument/2006/relationships" xmlns:p="http://schemas.openxmlformats.org/presentationml/2006/main">
+  <p:cSld>
+    <p:spTree>
+      <p:nvGrpSpPr>
+        <p:cNvPr id="1" name="">
+          <a:extLst>
+            <a:ext uri="{FF2B5EF4-FFF2-40B4-BE49-F238E27FC236}">
+              <a16:creationId xmlns:a16="http://schemas.microsoft.com/office/drawing/2014/main" id="{469ABD2E-A16D-30C4-5549-C0F72CA08D72}"/>
+            </a:ext>
+          </a:extLst>
+        </p:cNvPr>
+        <p:cNvGrpSpPr/>
+        <p:nvPr/>
+      </p:nvGrpSpPr>
+      <p:grpSpPr>
+        <a:xfrm>
+          <a:off x="0" y="0"/>
+          <a:ext cx="0" cy="0"/>
+          <a:chOff x="0" y="0"/>
+          <a:chExt cx="0" cy="0"/>
+        </a:xfrm>
+      </p:grpSpPr>
+      <p:sp>
+        <p:nvSpPr>
+          <p:cNvPr id="2" name="Espace réservé de l'image des diapositives 1">
+            <a:extLst>
+              <a:ext uri="{FF2B5EF4-FFF2-40B4-BE49-F238E27FC236}">
+                <a16:creationId xmlns:a16="http://schemas.microsoft.com/office/drawing/2014/main" id="{C45F082B-238E-ED4A-D442-6F84A6131FDC}"/>
+              </a:ext>
+            </a:extLst>
+          </p:cNvPr>
+          <p:cNvSpPr>
+            <a:spLocks noGrp="1" noRot="1" noChangeAspect="1"/>
+          </p:cNvSpPr>
+          <p:nvPr>
+            <p:ph type="sldImg"/>
+          </p:nvPr>
+        </p:nvSpPr>
+        <p:spPr/>
+      </p:sp>
+      <p:sp>
+        <p:nvSpPr>
+          <p:cNvPr id="3" name="Espace réservé des notes 2">
+            <a:extLst>
+              <a:ext uri="{FF2B5EF4-FFF2-40B4-BE49-F238E27FC236}">
+                <a16:creationId xmlns:a16="http://schemas.microsoft.com/office/drawing/2014/main" id="{01B03D0D-9C6E-CA4A-AB44-F92B8854A6F9}"/>
+              </a:ext>
+            </a:extLst>
+          </p:cNvPr>
+          <p:cNvSpPr>
+            <a:spLocks noGrp="1"/>
+          </p:cNvSpPr>
+          <p:nvPr>
+            <p:ph type="body" idx="1"/>
+          </p:nvPr>
+        </p:nvSpPr>
+        <p:spPr/>
+        <p:txBody>
+          <a:bodyPr/>
+          <a:lstStyle/>
+          <a:p>
+            <a:endParaRPr lang="fr-FR"/>
+          </a:p>
+        </p:txBody>
+      </p:sp>
+      <p:sp>
+        <p:nvSpPr>
+          <p:cNvPr id="4" name="Espace réservé du numéro de diapositive 3">
+            <a:extLst>
+              <a:ext uri="{FF2B5EF4-FFF2-40B4-BE49-F238E27FC236}">
+                <a16:creationId xmlns:a16="http://schemas.microsoft.com/office/drawing/2014/main" id="{C60C0FE3-10E1-DB1B-6E4E-C8F192BA1015}"/>
+              </a:ext>
+            </a:extLst>
+          </p:cNvPr>
+          <p:cNvSpPr>
+            <a:spLocks noGrp="1"/>
+          </p:cNvSpPr>
+          <p:nvPr>
+            <p:ph type="sldNum" sz="quarter" idx="5"/>
+          </p:nvPr>
+        </p:nvSpPr>
+        <p:spPr/>
+        <p:txBody>
+          <a:bodyPr/>
+          <a:lstStyle/>
+          <a:p>
+            <a:fld id="{9FBF1E06-D5E6-D248-B45C-D8434899FAE8}" type="slidenum">
+              <a:t>2</a:t>
+            </a:fld>
+            <a:endParaRPr lang="fr-FR"/>
+          </a:p>
+        </p:txBody>
+      </p:sp>
+    </p:spTree>
+    <p:extLst>
+      <p:ext uri="{BB962C8B-B14F-4D97-AF65-F5344CB8AC3E}">
+        <p14:creationId xmlns:p14="http://schemas.microsoft.com/office/powerpoint/2010/main" val="3977007072"/>
+      </p:ext>
+    </p:extLst>
+  </p:cSld>
+  <p:clrMapOvr>
+    <a:masterClrMapping/>
+  </p:clrMapOvr>
+</p:notes>
+</file>
+
 <file path=ppt/slideLayouts/slideLayout1.xml><?xml version="1.0" encoding="utf-8"?>
 <p:sldLayout xmlns:a="http://schemas.openxmlformats.org/drawingml/2006/main" xmlns:r="http://schemas.openxmlformats.org/officeDocument/2006/relationships" xmlns:p="http://schemas.openxmlformats.org/presentationml/2006/main" type="title" preserve="1">
   <p:cSld name="Diapositive de titre">
@@ -715,7 +823,7 @@
           <a:lstStyle/>
           <a:p>
             <a:fld id="{7017F4CF-FB7D-E643-B991-A4BE8CDC438F}" type="datetimeFigureOut">
-              <a:t>02/06/2025</a:t>
+              <a:t>21/06/2025</a:t>
             </a:fld>
             <a:endParaRPr lang="fr-FR"/>
           </a:p>
@@ -911,7 +1019,7 @@
           <a:lstStyle/>
           <a:p>
             <a:fld id="{7017F4CF-FB7D-E643-B991-A4BE8CDC438F}" type="datetimeFigureOut">
-              <a:t>02/06/2025</a:t>
+              <a:t>21/06/2025</a:t>
             </a:fld>
             <a:endParaRPr lang="fr-FR"/>
           </a:p>
@@ -1117,7 +1225,7 @@
           <a:lstStyle/>
           <a:p>
             <a:fld id="{7017F4CF-FB7D-E643-B991-A4BE8CDC438F}" type="datetimeFigureOut">
-              <a:t>02/06/2025</a:t>
+              <a:t>21/06/2025</a:t>
             </a:fld>
             <a:endParaRPr lang="fr-FR"/>
           </a:p>
@@ -1313,7 +1421,7 @@
           <a:lstStyle/>
           <a:p>
             <a:fld id="{7017F4CF-FB7D-E643-B991-A4BE8CDC438F}" type="datetimeFigureOut">
-              <a:t>02/06/2025</a:t>
+              <a:t>21/06/2025</a:t>
             </a:fld>
             <a:endParaRPr lang="fr-FR"/>
           </a:p>
@@ -1586,7 +1694,7 @@
           <a:lstStyle/>
           <a:p>
             <a:fld id="{7017F4CF-FB7D-E643-B991-A4BE8CDC438F}" type="datetimeFigureOut">
-              <a:t>02/06/2025</a:t>
+              <a:t>21/06/2025</a:t>
             </a:fld>
             <a:endParaRPr lang="fr-FR"/>
           </a:p>
@@ -1849,7 +1957,7 @@
           <a:lstStyle/>
           <a:p>
             <a:fld id="{7017F4CF-FB7D-E643-B991-A4BE8CDC438F}" type="datetimeFigureOut">
-              <a:t>02/06/2025</a:t>
+              <a:t>21/06/2025</a:t>
             </a:fld>
             <a:endParaRPr lang="fr-FR"/>
           </a:p>
@@ -2259,7 +2367,7 @@
           <a:lstStyle/>
           <a:p>
             <a:fld id="{7017F4CF-FB7D-E643-B991-A4BE8CDC438F}" type="datetimeFigureOut">
-              <a:t>02/06/2025</a:t>
+              <a:t>21/06/2025</a:t>
             </a:fld>
             <a:endParaRPr lang="fr-FR"/>
           </a:p>
@@ -2398,7 +2506,7 @@
           <a:lstStyle/>
           <a:p>
             <a:fld id="{7017F4CF-FB7D-E643-B991-A4BE8CDC438F}" type="datetimeFigureOut">
-              <a:t>02/06/2025</a:t>
+              <a:t>21/06/2025</a:t>
             </a:fld>
             <a:endParaRPr lang="fr-FR"/>
           </a:p>
@@ -2509,7 +2617,7 @@
           <a:lstStyle/>
           <a:p>
             <a:fld id="{7017F4CF-FB7D-E643-B991-A4BE8CDC438F}" type="datetimeFigureOut">
-              <a:t>02/06/2025</a:t>
+              <a:t>21/06/2025</a:t>
             </a:fld>
             <a:endParaRPr lang="fr-FR"/>
           </a:p>
@@ -2818,7 +2926,7 @@
           <a:lstStyle/>
           <a:p>
             <a:fld id="{7017F4CF-FB7D-E643-B991-A4BE8CDC438F}" type="datetimeFigureOut">
-              <a:t>02/06/2025</a:t>
+              <a:t>21/06/2025</a:t>
             </a:fld>
             <a:endParaRPr lang="fr-FR"/>
           </a:p>
@@ -3104,7 +3212,7 @@
           <a:lstStyle/>
           <a:p>
             <a:fld id="{7017F4CF-FB7D-E643-B991-A4BE8CDC438F}" type="datetimeFigureOut">
-              <a:t>02/06/2025</a:t>
+              <a:t>21/06/2025</a:t>
             </a:fld>
             <a:endParaRPr lang="fr-FR"/>
           </a:p>
@@ -3343,7 +3451,7 @@
           </a:lstStyle>
           <a:p>
             <a:fld id="{7017F4CF-FB7D-E643-B991-A4BE8CDC438F}" type="datetimeFigureOut">
-              <a:t>02/06/2025</a:t>
+              <a:t>21/06/2025</a:t>
             </a:fld>
             <a:endParaRPr lang="fr-FR"/>
           </a:p>
@@ -4541,6 +4649,804 @@
     <p:extLst>
       <p:ext uri="{BB962C8B-B14F-4D97-AF65-F5344CB8AC3E}">
         <p14:creationId xmlns:p14="http://schemas.microsoft.com/office/powerpoint/2010/main" val="2339145623"/>
+      </p:ext>
+    </p:extLst>
+  </p:cSld>
+  <p:clrMapOvr>
+    <a:masterClrMapping/>
+  </p:clrMapOvr>
+</p:sld>
+</file>
+
+<file path=ppt/slides/slide2.xml><?xml version="1.0" encoding="utf-8"?>
+<p:sld xmlns:a="http://schemas.openxmlformats.org/drawingml/2006/main" xmlns:r="http://schemas.openxmlformats.org/officeDocument/2006/relationships" xmlns:p="http://schemas.openxmlformats.org/presentationml/2006/main">
+  <p:cSld>
+    <p:spTree>
+      <p:nvGrpSpPr>
+        <p:cNvPr id="1" name="">
+          <a:extLst>
+            <a:ext uri="{FF2B5EF4-FFF2-40B4-BE49-F238E27FC236}">
+              <a16:creationId xmlns:a16="http://schemas.microsoft.com/office/drawing/2014/main" id="{63014F42-82D4-AA98-FE82-4B0DE1489B9D}"/>
+            </a:ext>
+          </a:extLst>
+        </p:cNvPr>
+        <p:cNvGrpSpPr/>
+        <p:nvPr/>
+      </p:nvGrpSpPr>
+      <p:grpSpPr>
+        <a:xfrm>
+          <a:off x="0" y="0"/>
+          <a:ext cx="0" cy="0"/>
+          <a:chOff x="0" y="0"/>
+          <a:chExt cx="0" cy="0"/>
+        </a:xfrm>
+      </p:grpSpPr>
+      <p:grpSp>
+        <p:nvGrpSpPr>
+          <p:cNvPr id="19" name="Groupe 18">
+            <a:extLst>
+              <a:ext uri="{FF2B5EF4-FFF2-40B4-BE49-F238E27FC236}">
+                <a16:creationId xmlns:a16="http://schemas.microsoft.com/office/drawing/2014/main" id="{3F352DB8-F312-5949-DA55-B8BBD34BC73C}"/>
+              </a:ext>
+            </a:extLst>
+          </p:cNvPr>
+          <p:cNvGrpSpPr/>
+          <p:nvPr/>
+        </p:nvGrpSpPr>
+        <p:grpSpPr>
+          <a:xfrm>
+            <a:off x="5600281" y="1751743"/>
+            <a:ext cx="1622846" cy="584775"/>
+            <a:chOff x="2701544" y="1851593"/>
+            <a:chExt cx="1622846" cy="584775"/>
+          </a:xfrm>
+        </p:grpSpPr>
+        <p:pic>
+          <p:nvPicPr>
+            <p:cNvPr id="13" name="Picture 2" descr="New Document Office Paper Word Svg Png Icon Free Download (#511618) -  OnlineWebFonts.COM">
+              <a:extLst>
+                <a:ext uri="{FF2B5EF4-FFF2-40B4-BE49-F238E27FC236}">
+                  <a16:creationId xmlns:a16="http://schemas.microsoft.com/office/drawing/2014/main" id="{DFC1BB87-52A3-54BB-F104-8863254B90F0}"/>
+                </a:ext>
+              </a:extLst>
+            </p:cNvPr>
+            <p:cNvPicPr>
+              <a:picLocks noChangeAspect="1" noChangeArrowheads="1"/>
+            </p:cNvPicPr>
+            <p:nvPr/>
+          </p:nvPicPr>
+          <p:blipFill rotWithShape="1">
+            <a:blip r:embed="rId3">
+              <a:extLst>
+                <a:ext uri="{28A0092B-C50C-407E-A947-70E740481C1C}">
+                  <a14:useLocalDpi xmlns:a14="http://schemas.microsoft.com/office/drawing/2010/main" val="0"/>
+                </a:ext>
+              </a:extLst>
+            </a:blip>
+            <a:srcRect l="14089" t="3599" r="14089" b="3245"/>
+            <a:stretch/>
+          </p:blipFill>
+          <p:spPr bwMode="auto">
+            <a:xfrm>
+              <a:off x="2701544" y="1897888"/>
+              <a:ext cx="415164" cy="538480"/>
+            </a:xfrm>
+            <a:prstGeom prst="rect">
+              <a:avLst/>
+            </a:prstGeom>
+            <a:noFill/>
+            <a:extLst>
+              <a:ext uri="{909E8E84-426E-40DD-AFC4-6F175D3DCCD1}">
+                <a14:hiddenFill xmlns:a14="http://schemas.microsoft.com/office/drawing/2010/main">
+                  <a:solidFill>
+                    <a:srgbClr val="FFFFFF"/>
+                  </a:solidFill>
+                </a14:hiddenFill>
+              </a:ext>
+            </a:extLst>
+          </p:spPr>
+        </p:pic>
+        <p:sp>
+          <p:nvSpPr>
+            <p:cNvPr id="16" name="ZoneTexte 15">
+              <a:extLst>
+                <a:ext uri="{FF2B5EF4-FFF2-40B4-BE49-F238E27FC236}">
+                  <a16:creationId xmlns:a16="http://schemas.microsoft.com/office/drawing/2014/main" id="{64FA55CB-BDEF-4B6E-5049-763BD4ABF813}"/>
+                </a:ext>
+              </a:extLst>
+            </p:cNvPr>
+            <p:cNvSpPr txBox="1"/>
+            <p:nvPr/>
+          </p:nvSpPr>
+          <p:spPr>
+            <a:xfrm>
+              <a:off x="3100657" y="1851593"/>
+              <a:ext cx="1223733" cy="584775"/>
+            </a:xfrm>
+            <a:prstGeom prst="rect">
+              <a:avLst/>
+            </a:prstGeom>
+            <a:noFill/>
+          </p:spPr>
+          <p:txBody>
+            <a:bodyPr wrap="none" rtlCol="0">
+              <a:spAutoFit/>
+            </a:bodyPr>
+            <a:lstStyle/>
+            <a:p>
+              <a:r>
+                <a:rPr lang="fr-FR" b="1"/>
+                <a:t>Tutorial 1:</a:t>
+              </a:r>
+            </a:p>
+            <a:p>
+              <a:r>
+                <a:rPr lang="fr-FR" sz="1400"/>
+                <a:t>Collect data</a:t>
+              </a:r>
+            </a:p>
+          </p:txBody>
+        </p:sp>
+      </p:grpSp>
+      <p:sp>
+        <p:nvSpPr>
+          <p:cNvPr id="81" name="ZoneTexte 80">
+            <a:extLst>
+              <a:ext uri="{FF2B5EF4-FFF2-40B4-BE49-F238E27FC236}">
+                <a16:creationId xmlns:a16="http://schemas.microsoft.com/office/drawing/2014/main" id="{81D4B1AD-E7A0-0DC2-CBBE-0D4826EDD244}"/>
+              </a:ext>
+            </a:extLst>
+          </p:cNvPr>
+          <p:cNvSpPr txBox="1"/>
+          <p:nvPr/>
+        </p:nvSpPr>
+        <p:spPr>
+          <a:xfrm>
+            <a:off x="3512555" y="1045940"/>
+            <a:ext cx="4590616" cy="461665"/>
+          </a:xfrm>
+          <a:prstGeom prst="rect">
+            <a:avLst/>
+          </a:prstGeom>
+          <a:noFill/>
+        </p:spPr>
+        <p:txBody>
+          <a:bodyPr wrap="none" rtlCol="0">
+            <a:spAutoFit/>
+          </a:bodyPr>
+          <a:lstStyle/>
+          <a:p>
+            <a:pPr algn="ctr"/>
+            <a:r>
+              <a:rPr lang="fr-FR" sz="2400" b="1">
+                <a:latin typeface="Avenir Black" panose="02000503020000020003" pitchFamily="2" charset="0"/>
+                <a:cs typeface="Beirut" pitchFamily="2" charset="-78"/>
+              </a:rPr>
+              <a:t>MMSYN tutorials organization</a:t>
+            </a:r>
+          </a:p>
+        </p:txBody>
+      </p:sp>
+      <p:grpSp>
+        <p:nvGrpSpPr>
+          <p:cNvPr id="41" name="Groupe 40">
+            <a:extLst>
+              <a:ext uri="{FF2B5EF4-FFF2-40B4-BE49-F238E27FC236}">
+                <a16:creationId xmlns:a16="http://schemas.microsoft.com/office/drawing/2014/main" id="{8063B8B2-CD9A-1305-1707-D64103C1D1F0}"/>
+              </a:ext>
+            </a:extLst>
+          </p:cNvPr>
+          <p:cNvGrpSpPr/>
+          <p:nvPr/>
+        </p:nvGrpSpPr>
+        <p:grpSpPr>
+          <a:xfrm>
+            <a:off x="5600281" y="2582725"/>
+            <a:ext cx="1622846" cy="800219"/>
+            <a:chOff x="2701544" y="1760153"/>
+            <a:chExt cx="1622846" cy="800219"/>
+          </a:xfrm>
+        </p:grpSpPr>
+        <p:pic>
+          <p:nvPicPr>
+            <p:cNvPr id="43" name="Picture 2" descr="New Document Office Paper Word Svg Png Icon Free Download (#511618) -  OnlineWebFonts.COM">
+              <a:extLst>
+                <a:ext uri="{FF2B5EF4-FFF2-40B4-BE49-F238E27FC236}">
+                  <a16:creationId xmlns:a16="http://schemas.microsoft.com/office/drawing/2014/main" id="{6B229245-F7E2-44CB-EABC-559ACC8F054F}"/>
+                </a:ext>
+              </a:extLst>
+            </p:cNvPr>
+            <p:cNvPicPr>
+              <a:picLocks noChangeAspect="1" noChangeArrowheads="1"/>
+            </p:cNvPicPr>
+            <p:nvPr/>
+          </p:nvPicPr>
+          <p:blipFill rotWithShape="1">
+            <a:blip r:embed="rId3">
+              <a:extLst>
+                <a:ext uri="{28A0092B-C50C-407E-A947-70E740481C1C}">
+                  <a14:useLocalDpi xmlns:a14="http://schemas.microsoft.com/office/drawing/2010/main" val="0"/>
+                </a:ext>
+              </a:extLst>
+            </a:blip>
+            <a:srcRect l="14089" t="3599" r="14089" b="3245"/>
+            <a:stretch/>
+          </p:blipFill>
+          <p:spPr bwMode="auto">
+            <a:xfrm>
+              <a:off x="2701544" y="1897888"/>
+              <a:ext cx="415164" cy="538480"/>
+            </a:xfrm>
+            <a:prstGeom prst="rect">
+              <a:avLst/>
+            </a:prstGeom>
+            <a:noFill/>
+            <a:extLst>
+              <a:ext uri="{909E8E84-426E-40DD-AFC4-6F175D3DCCD1}">
+                <a14:hiddenFill xmlns:a14="http://schemas.microsoft.com/office/drawing/2010/main">
+                  <a:solidFill>
+                    <a:srgbClr val="FFFFFF"/>
+                  </a:solidFill>
+                </a14:hiddenFill>
+              </a:ext>
+            </a:extLst>
+          </p:spPr>
+        </p:pic>
+        <p:sp>
+          <p:nvSpPr>
+            <p:cNvPr id="44" name="ZoneTexte 43">
+              <a:extLst>
+                <a:ext uri="{FF2B5EF4-FFF2-40B4-BE49-F238E27FC236}">
+                  <a16:creationId xmlns:a16="http://schemas.microsoft.com/office/drawing/2014/main" id="{80E7E5D6-E564-2EE0-D682-732B33B3470D}"/>
+                </a:ext>
+              </a:extLst>
+            </p:cNvPr>
+            <p:cNvSpPr txBox="1"/>
+            <p:nvPr/>
+          </p:nvSpPr>
+          <p:spPr>
+            <a:xfrm>
+              <a:off x="3100657" y="1760153"/>
+              <a:ext cx="1223733" cy="800219"/>
+            </a:xfrm>
+            <a:prstGeom prst="rect">
+              <a:avLst/>
+            </a:prstGeom>
+            <a:noFill/>
+          </p:spPr>
+          <p:txBody>
+            <a:bodyPr wrap="none" rtlCol="0">
+              <a:spAutoFit/>
+            </a:bodyPr>
+            <a:lstStyle/>
+            <a:p>
+              <a:r>
+                <a:rPr lang="fr-FR" b="1"/>
+                <a:t>Tutorial 2:</a:t>
+              </a:r>
+            </a:p>
+            <a:p>
+              <a:r>
+                <a:rPr lang="fr-FR" sz="1400"/>
+                <a:t>Check model</a:t>
+              </a:r>
+            </a:p>
+            <a:p>
+              <a:r>
+                <a:rPr lang="fr-FR" sz="1400"/>
+                <a:t>consistency</a:t>
+              </a:r>
+            </a:p>
+          </p:txBody>
+        </p:sp>
+      </p:grpSp>
+      <p:cxnSp>
+        <p:nvCxnSpPr>
+          <p:cNvPr id="45" name="Connecteur droit avec flèche 44">
+            <a:extLst>
+              <a:ext uri="{FF2B5EF4-FFF2-40B4-BE49-F238E27FC236}">
+                <a16:creationId xmlns:a16="http://schemas.microsoft.com/office/drawing/2014/main" id="{9B0DE8CB-28A5-3093-C14D-31AA24D2D4AC}"/>
+              </a:ext>
+            </a:extLst>
+          </p:cNvPr>
+          <p:cNvCxnSpPr>
+            <a:cxnSpLocks/>
+            <a:stCxn id="13" idx="2"/>
+            <a:endCxn id="43" idx="0"/>
+          </p:cNvCxnSpPr>
+          <p:nvPr/>
+        </p:nvCxnSpPr>
+        <p:spPr>
+          <a:xfrm>
+            <a:off x="5807863" y="2336518"/>
+            <a:ext cx="0" cy="383942"/>
+          </a:xfrm>
+          <a:prstGeom prst="straightConnector1">
+            <a:avLst/>
+          </a:prstGeom>
+          <a:ln>
+            <a:tailEnd type="triangle" w="lg" len="lg"/>
+          </a:ln>
+        </p:spPr>
+        <p:style>
+          <a:lnRef idx="2">
+            <a:schemeClr val="dk1"/>
+          </a:lnRef>
+          <a:fillRef idx="0">
+            <a:schemeClr val="dk1"/>
+          </a:fillRef>
+          <a:effectRef idx="1">
+            <a:schemeClr val="dk1"/>
+          </a:effectRef>
+          <a:fontRef idx="minor">
+            <a:schemeClr val="tx1"/>
+          </a:fontRef>
+        </p:style>
+      </p:cxnSp>
+      <p:grpSp>
+        <p:nvGrpSpPr>
+          <p:cNvPr id="70" name="Groupe 69">
+            <a:extLst>
+              <a:ext uri="{FF2B5EF4-FFF2-40B4-BE49-F238E27FC236}">
+                <a16:creationId xmlns:a16="http://schemas.microsoft.com/office/drawing/2014/main" id="{5231FDCB-AE0C-01FA-9E57-A3FBE5B5D45D}"/>
+              </a:ext>
+            </a:extLst>
+          </p:cNvPr>
+          <p:cNvGrpSpPr/>
+          <p:nvPr/>
+        </p:nvGrpSpPr>
+        <p:grpSpPr>
+          <a:xfrm>
+            <a:off x="5600281" y="3503078"/>
+            <a:ext cx="1868874" cy="800219"/>
+            <a:chOff x="2701544" y="1764968"/>
+            <a:chExt cx="1868874" cy="800219"/>
+          </a:xfrm>
+        </p:grpSpPr>
+        <p:pic>
+          <p:nvPicPr>
+            <p:cNvPr id="71" name="Picture 2" descr="New Document Office Paper Word Svg Png Icon Free Download (#511618) -  OnlineWebFonts.COM">
+              <a:extLst>
+                <a:ext uri="{FF2B5EF4-FFF2-40B4-BE49-F238E27FC236}">
+                  <a16:creationId xmlns:a16="http://schemas.microsoft.com/office/drawing/2014/main" id="{311816E2-F489-6213-7890-EBB6F10986E3}"/>
+                </a:ext>
+              </a:extLst>
+            </p:cNvPr>
+            <p:cNvPicPr>
+              <a:picLocks noChangeAspect="1" noChangeArrowheads="1"/>
+            </p:cNvPicPr>
+            <p:nvPr/>
+          </p:nvPicPr>
+          <p:blipFill rotWithShape="1">
+            <a:blip r:embed="rId3">
+              <a:extLst>
+                <a:ext uri="{28A0092B-C50C-407E-A947-70E740481C1C}">
+                  <a14:useLocalDpi xmlns:a14="http://schemas.microsoft.com/office/drawing/2010/main" val="0"/>
+                </a:ext>
+              </a:extLst>
+            </a:blip>
+            <a:srcRect l="14089" t="3599" r="14089" b="3245"/>
+            <a:stretch/>
+          </p:blipFill>
+          <p:spPr bwMode="auto">
+            <a:xfrm>
+              <a:off x="2701544" y="1897888"/>
+              <a:ext cx="415164" cy="538480"/>
+            </a:xfrm>
+            <a:prstGeom prst="rect">
+              <a:avLst/>
+            </a:prstGeom>
+            <a:noFill/>
+            <a:extLst>
+              <a:ext uri="{909E8E84-426E-40DD-AFC4-6F175D3DCCD1}">
+                <a14:hiddenFill xmlns:a14="http://schemas.microsoft.com/office/drawing/2010/main">
+                  <a:solidFill>
+                    <a:srgbClr val="FFFFFF"/>
+                  </a:solidFill>
+                </a14:hiddenFill>
+              </a:ext>
+            </a:extLst>
+          </p:spPr>
+        </p:pic>
+        <p:sp>
+          <p:nvSpPr>
+            <p:cNvPr id="72" name="ZoneTexte 71">
+              <a:extLst>
+                <a:ext uri="{FF2B5EF4-FFF2-40B4-BE49-F238E27FC236}">
+                  <a16:creationId xmlns:a16="http://schemas.microsoft.com/office/drawing/2014/main" id="{8DB5C0A7-6B0A-8317-5AF9-39167C059C2D}"/>
+                </a:ext>
+              </a:extLst>
+            </p:cNvPr>
+            <p:cNvSpPr txBox="1"/>
+            <p:nvPr/>
+          </p:nvSpPr>
+          <p:spPr>
+            <a:xfrm>
+              <a:off x="3100657" y="1764968"/>
+              <a:ext cx="1469761" cy="800219"/>
+            </a:xfrm>
+            <a:prstGeom prst="rect">
+              <a:avLst/>
+            </a:prstGeom>
+            <a:noFill/>
+          </p:spPr>
+          <p:txBody>
+            <a:bodyPr wrap="none" rtlCol="0">
+              <a:spAutoFit/>
+            </a:bodyPr>
+            <a:lstStyle/>
+            <a:p>
+              <a:r>
+                <a:rPr lang="fr-FR" b="1"/>
+                <a:t>Tutorial 3:</a:t>
+              </a:r>
+            </a:p>
+            <a:p>
+              <a:r>
+                <a:rPr lang="fr-FR" sz="1400"/>
+                <a:t>Edit and simplify</a:t>
+              </a:r>
+            </a:p>
+            <a:p>
+              <a:r>
+                <a:rPr lang="fr-FR" sz="1400"/>
+                <a:t>the model</a:t>
+              </a:r>
+            </a:p>
+          </p:txBody>
+        </p:sp>
+      </p:grpSp>
+      <p:cxnSp>
+        <p:nvCxnSpPr>
+          <p:cNvPr id="2" name="Connecteur droit avec flèche 1">
+            <a:extLst>
+              <a:ext uri="{FF2B5EF4-FFF2-40B4-BE49-F238E27FC236}">
+                <a16:creationId xmlns:a16="http://schemas.microsoft.com/office/drawing/2014/main" id="{29F18083-0853-F458-1111-0F3F6ADB02FC}"/>
+              </a:ext>
+            </a:extLst>
+          </p:cNvPr>
+          <p:cNvCxnSpPr>
+            <a:cxnSpLocks/>
+            <a:stCxn id="43" idx="2"/>
+            <a:endCxn id="71" idx="0"/>
+          </p:cNvCxnSpPr>
+          <p:nvPr/>
+        </p:nvCxnSpPr>
+        <p:spPr>
+          <a:xfrm>
+            <a:off x="5807863" y="3258940"/>
+            <a:ext cx="0" cy="377058"/>
+          </a:xfrm>
+          <a:prstGeom prst="straightConnector1">
+            <a:avLst/>
+          </a:prstGeom>
+          <a:ln>
+            <a:tailEnd type="triangle" w="lg" len="lg"/>
+          </a:ln>
+        </p:spPr>
+        <p:style>
+          <a:lnRef idx="2">
+            <a:schemeClr val="dk1"/>
+          </a:lnRef>
+          <a:fillRef idx="0">
+            <a:schemeClr val="dk1"/>
+          </a:fillRef>
+          <a:effectRef idx="1">
+            <a:schemeClr val="dk1"/>
+          </a:effectRef>
+          <a:fontRef idx="minor">
+            <a:schemeClr val="tx1"/>
+          </a:fontRef>
+        </p:style>
+      </p:cxnSp>
+      <p:grpSp>
+        <p:nvGrpSpPr>
+          <p:cNvPr id="3" name="Groupe 2">
+            <a:extLst>
+              <a:ext uri="{FF2B5EF4-FFF2-40B4-BE49-F238E27FC236}">
+                <a16:creationId xmlns:a16="http://schemas.microsoft.com/office/drawing/2014/main" id="{1F2B0F63-CA77-8B63-1A2F-B36A54D0F3DA}"/>
+              </a:ext>
+            </a:extLst>
+          </p:cNvPr>
+          <p:cNvGrpSpPr/>
+          <p:nvPr/>
+        </p:nvGrpSpPr>
+        <p:grpSpPr>
+          <a:xfrm>
+            <a:off x="5600281" y="4416598"/>
+            <a:ext cx="2144463" cy="800219"/>
+            <a:chOff x="2701544" y="1764968"/>
+            <a:chExt cx="2144463" cy="800219"/>
+          </a:xfrm>
+        </p:grpSpPr>
+        <p:pic>
+          <p:nvPicPr>
+            <p:cNvPr id="4" name="Picture 2" descr="New Document Office Paper Word Svg Png Icon Free Download (#511618) -  OnlineWebFonts.COM">
+              <a:extLst>
+                <a:ext uri="{FF2B5EF4-FFF2-40B4-BE49-F238E27FC236}">
+                  <a16:creationId xmlns:a16="http://schemas.microsoft.com/office/drawing/2014/main" id="{FF6F4D81-BAA1-119A-6DE2-7EB287FE76B4}"/>
+                </a:ext>
+              </a:extLst>
+            </p:cNvPr>
+            <p:cNvPicPr>
+              <a:picLocks noChangeAspect="1" noChangeArrowheads="1"/>
+            </p:cNvPicPr>
+            <p:nvPr/>
+          </p:nvPicPr>
+          <p:blipFill rotWithShape="1">
+            <a:blip r:embed="rId3">
+              <a:extLst>
+                <a:ext uri="{28A0092B-C50C-407E-A947-70E740481C1C}">
+                  <a14:useLocalDpi xmlns:a14="http://schemas.microsoft.com/office/drawing/2010/main" val="0"/>
+                </a:ext>
+              </a:extLst>
+            </a:blip>
+            <a:srcRect l="14089" t="3599" r="14089" b="3245"/>
+            <a:stretch/>
+          </p:blipFill>
+          <p:spPr bwMode="auto">
+            <a:xfrm>
+              <a:off x="2701544" y="1897888"/>
+              <a:ext cx="415164" cy="538480"/>
+            </a:xfrm>
+            <a:prstGeom prst="rect">
+              <a:avLst/>
+            </a:prstGeom>
+            <a:noFill/>
+            <a:extLst>
+              <a:ext uri="{909E8E84-426E-40DD-AFC4-6F175D3DCCD1}">
+                <a14:hiddenFill xmlns:a14="http://schemas.microsoft.com/office/drawing/2010/main">
+                  <a:solidFill>
+                    <a:srgbClr val="FFFFFF"/>
+                  </a:solidFill>
+                </a14:hiddenFill>
+              </a:ext>
+            </a:extLst>
+          </p:spPr>
+        </p:pic>
+        <p:sp>
+          <p:nvSpPr>
+            <p:cNvPr id="5" name="ZoneTexte 4">
+              <a:extLst>
+                <a:ext uri="{FF2B5EF4-FFF2-40B4-BE49-F238E27FC236}">
+                  <a16:creationId xmlns:a16="http://schemas.microsoft.com/office/drawing/2014/main" id="{338B3A75-AD22-A710-988F-587AAA88B7A1}"/>
+                </a:ext>
+              </a:extLst>
+            </p:cNvPr>
+            <p:cNvSpPr txBox="1"/>
+            <p:nvPr/>
+          </p:nvSpPr>
+          <p:spPr>
+            <a:xfrm>
+              <a:off x="3100657" y="1764968"/>
+              <a:ext cx="1745350" cy="800219"/>
+            </a:xfrm>
+            <a:prstGeom prst="rect">
+              <a:avLst/>
+            </a:prstGeom>
+            <a:noFill/>
+          </p:spPr>
+          <p:txBody>
+            <a:bodyPr wrap="none" rtlCol="0">
+              <a:spAutoFit/>
+            </a:bodyPr>
+            <a:lstStyle/>
+            <a:p>
+              <a:r>
+                <a:rPr lang="fr-FR" b="1"/>
+                <a:t>Tutorial 4:</a:t>
+              </a:r>
+            </a:p>
+            <a:p>
+              <a:r>
+                <a:rPr lang="fr-FR" sz="1400"/>
+                <a:t>Reduce the model</a:t>
+              </a:r>
+            </a:p>
+            <a:p>
+              <a:r>
+                <a:rPr lang="fr-FR" sz="1400"/>
+                <a:t>to a convex problem</a:t>
+              </a:r>
+            </a:p>
+          </p:txBody>
+        </p:sp>
+      </p:grpSp>
+      <p:cxnSp>
+        <p:nvCxnSpPr>
+          <p:cNvPr id="6" name="Connecteur droit avec flèche 5">
+            <a:extLst>
+              <a:ext uri="{FF2B5EF4-FFF2-40B4-BE49-F238E27FC236}">
+                <a16:creationId xmlns:a16="http://schemas.microsoft.com/office/drawing/2014/main" id="{3E660CC3-1EA4-B344-EEED-1FD8E1263B36}"/>
+              </a:ext>
+            </a:extLst>
+          </p:cNvPr>
+          <p:cNvCxnSpPr>
+            <a:cxnSpLocks/>
+            <a:endCxn id="4" idx="0"/>
+          </p:cNvCxnSpPr>
+          <p:nvPr/>
+        </p:nvCxnSpPr>
+        <p:spPr>
+          <a:xfrm>
+            <a:off x="5807863" y="4172460"/>
+            <a:ext cx="0" cy="377058"/>
+          </a:xfrm>
+          <a:prstGeom prst="straightConnector1">
+            <a:avLst/>
+          </a:prstGeom>
+          <a:ln>
+            <a:tailEnd type="triangle" w="lg" len="lg"/>
+          </a:ln>
+        </p:spPr>
+        <p:style>
+          <a:lnRef idx="2">
+            <a:schemeClr val="dk1"/>
+          </a:lnRef>
+          <a:fillRef idx="0">
+            <a:schemeClr val="dk1"/>
+          </a:fillRef>
+          <a:effectRef idx="1">
+            <a:schemeClr val="dk1"/>
+          </a:effectRef>
+          <a:fontRef idx="minor">
+            <a:schemeClr val="tx1"/>
+          </a:fontRef>
+        </p:style>
+      </p:cxnSp>
+      <p:grpSp>
+        <p:nvGrpSpPr>
+          <p:cNvPr id="7" name="Groupe 6">
+            <a:extLst>
+              <a:ext uri="{FF2B5EF4-FFF2-40B4-BE49-F238E27FC236}">
+                <a16:creationId xmlns:a16="http://schemas.microsoft.com/office/drawing/2014/main" id="{3779A5A8-EBDE-CF34-76EB-C55113177134}"/>
+              </a:ext>
+            </a:extLst>
+          </p:cNvPr>
+          <p:cNvGrpSpPr/>
+          <p:nvPr/>
+        </p:nvGrpSpPr>
+        <p:grpSpPr>
+          <a:xfrm>
+            <a:off x="5617975" y="5429178"/>
+            <a:ext cx="1701777" cy="584775"/>
+            <a:chOff x="2701544" y="1864028"/>
+            <a:chExt cx="1701777" cy="584775"/>
+          </a:xfrm>
+        </p:grpSpPr>
+        <p:pic>
+          <p:nvPicPr>
+            <p:cNvPr id="8" name="Picture 2" descr="New Document Office Paper Word Svg Png Icon Free Download (#511618) -  OnlineWebFonts.COM">
+              <a:extLst>
+                <a:ext uri="{FF2B5EF4-FFF2-40B4-BE49-F238E27FC236}">
+                  <a16:creationId xmlns:a16="http://schemas.microsoft.com/office/drawing/2014/main" id="{BED5EAF2-AD41-D409-E29D-5BCCF69C0877}"/>
+                </a:ext>
+              </a:extLst>
+            </p:cNvPr>
+            <p:cNvPicPr>
+              <a:picLocks noChangeAspect="1" noChangeArrowheads="1"/>
+            </p:cNvPicPr>
+            <p:nvPr/>
+          </p:nvPicPr>
+          <p:blipFill rotWithShape="1">
+            <a:blip r:embed="rId3">
+              <a:extLst>
+                <a:ext uri="{28A0092B-C50C-407E-A947-70E740481C1C}">
+                  <a14:useLocalDpi xmlns:a14="http://schemas.microsoft.com/office/drawing/2010/main" val="0"/>
+                </a:ext>
+              </a:extLst>
+            </a:blip>
+            <a:srcRect l="14089" t="3599" r="14089" b="3245"/>
+            <a:stretch/>
+          </p:blipFill>
+          <p:spPr bwMode="auto">
+            <a:xfrm>
+              <a:off x="2701544" y="1897888"/>
+              <a:ext cx="415164" cy="538480"/>
+            </a:xfrm>
+            <a:prstGeom prst="rect">
+              <a:avLst/>
+            </a:prstGeom>
+            <a:noFill/>
+            <a:extLst>
+              <a:ext uri="{909E8E84-426E-40DD-AFC4-6F175D3DCCD1}">
+                <a14:hiddenFill xmlns:a14="http://schemas.microsoft.com/office/drawing/2010/main">
+                  <a:solidFill>
+                    <a:srgbClr val="FFFFFF"/>
+                  </a:solidFill>
+                </a14:hiddenFill>
+              </a:ext>
+            </a:extLst>
+          </p:spPr>
+        </p:pic>
+        <p:sp>
+          <p:nvSpPr>
+            <p:cNvPr id="9" name="ZoneTexte 8">
+              <a:extLst>
+                <a:ext uri="{FF2B5EF4-FFF2-40B4-BE49-F238E27FC236}">
+                  <a16:creationId xmlns:a16="http://schemas.microsoft.com/office/drawing/2014/main" id="{3E0F9851-450B-9063-7B82-9091329A64F4}"/>
+                </a:ext>
+              </a:extLst>
+            </p:cNvPr>
+            <p:cNvSpPr txBox="1"/>
+            <p:nvPr/>
+          </p:nvSpPr>
+          <p:spPr>
+            <a:xfrm>
+              <a:off x="3100657" y="1864028"/>
+              <a:ext cx="1302664" cy="584775"/>
+            </a:xfrm>
+            <a:prstGeom prst="rect">
+              <a:avLst/>
+            </a:prstGeom>
+            <a:noFill/>
+          </p:spPr>
+          <p:txBody>
+            <a:bodyPr wrap="none" rtlCol="0">
+              <a:spAutoFit/>
+            </a:bodyPr>
+            <a:lstStyle/>
+            <a:p>
+              <a:r>
+                <a:rPr lang="fr-FR" b="1"/>
+                <a:t>Tutorial 5:</a:t>
+              </a:r>
+            </a:p>
+            <a:p>
+              <a:r>
+                <a:rPr lang="fr-FR" sz="1400"/>
+                <a:t>Build the CGM</a:t>
+              </a:r>
+            </a:p>
+          </p:txBody>
+        </p:sp>
+      </p:grpSp>
+      <p:cxnSp>
+        <p:nvCxnSpPr>
+          <p:cNvPr id="10" name="Connecteur droit avec flèche 9">
+            <a:extLst>
+              <a:ext uri="{FF2B5EF4-FFF2-40B4-BE49-F238E27FC236}">
+                <a16:creationId xmlns:a16="http://schemas.microsoft.com/office/drawing/2014/main" id="{C11ED003-A8DE-A800-7435-F12BF997B168}"/>
+              </a:ext>
+            </a:extLst>
+          </p:cNvPr>
+          <p:cNvCxnSpPr>
+            <a:cxnSpLocks/>
+            <a:endCxn id="8" idx="0"/>
+          </p:cNvCxnSpPr>
+          <p:nvPr/>
+        </p:nvCxnSpPr>
+        <p:spPr>
+          <a:xfrm>
+            <a:off x="5825557" y="5085980"/>
+            <a:ext cx="0" cy="377058"/>
+          </a:xfrm>
+          <a:prstGeom prst="straightConnector1">
+            <a:avLst/>
+          </a:prstGeom>
+          <a:ln>
+            <a:tailEnd type="triangle" w="lg" len="lg"/>
+          </a:ln>
+        </p:spPr>
+        <p:style>
+          <a:lnRef idx="2">
+            <a:schemeClr val="dk1"/>
+          </a:lnRef>
+          <a:fillRef idx="0">
+            <a:schemeClr val="dk1"/>
+          </a:fillRef>
+          <a:effectRef idx="1">
+            <a:schemeClr val="dk1"/>
+          </a:effectRef>
+          <a:fontRef idx="minor">
+            <a:schemeClr val="tx1"/>
+          </a:fontRef>
+        </p:style>
+      </p:cxnSp>
+    </p:spTree>
+    <p:extLst>
+      <p:ext uri="{BB962C8B-B14F-4D97-AF65-F5344CB8AC3E}">
+        <p14:creationId xmlns:p14="http://schemas.microsoft.com/office/powerpoint/2010/main" val="704532021"/>
       </p:ext>
     </p:extLst>
   </p:cSld>

--- a/doc/genome_scale_pipeline/tutorial_steps.pptx
+++ b/doc/genome_scale_pipeline/tutorial_steps.pptx
@@ -5,11 +5,10 @@
     <p:sldMasterId id="2147483648" r:id="rId1"/>
   </p:sldMasterIdLst>
   <p:notesMasterIdLst>
-    <p:notesMasterId r:id="rId4"/>
+    <p:notesMasterId r:id="rId3"/>
   </p:notesMasterIdLst>
   <p:sldIdLst>
-    <p:sldId id="273" r:id="rId2"/>
-    <p:sldId id="274" r:id="rId3"/>
+    <p:sldId id="274" r:id="rId2"/>
   </p:sldIdLst>
   <p:sldSz cx="12192000" cy="6858000"/>
   <p:notesSz cx="6858000" cy="9144000"/>
@@ -197,7 +196,7 @@
           </a:lstStyle>
           <a:p>
             <a:fld id="{49500105-9C48-984E-9CDC-F1375D25D7E6}" type="datetimeFigureOut">
-              <a:t>21/06/2025</a:t>
+              <a:t>16/07/2025</a:t>
             </a:fld>
             <a:endParaRPr lang="fr-FR"/>
           </a:p>
@@ -471,113 +470,6 @@
         <p:cNvPr id="1" name="">
           <a:extLst>
             <a:ext uri="{FF2B5EF4-FFF2-40B4-BE49-F238E27FC236}">
-              <a16:creationId xmlns:a16="http://schemas.microsoft.com/office/drawing/2014/main" id="{214BEF56-AD64-257A-2C5F-590D9B34712E}"/>
-            </a:ext>
-          </a:extLst>
-        </p:cNvPr>
-        <p:cNvGrpSpPr/>
-        <p:nvPr/>
-      </p:nvGrpSpPr>
-      <p:grpSpPr>
-        <a:xfrm>
-          <a:off x="0" y="0"/>
-          <a:ext cx="0" cy="0"/>
-          <a:chOff x="0" y="0"/>
-          <a:chExt cx="0" cy="0"/>
-        </a:xfrm>
-      </p:grpSpPr>
-      <p:sp>
-        <p:nvSpPr>
-          <p:cNvPr id="2" name="Espace réservé de l'image des diapositives 1">
-            <a:extLst>
-              <a:ext uri="{FF2B5EF4-FFF2-40B4-BE49-F238E27FC236}">
-                <a16:creationId xmlns:a16="http://schemas.microsoft.com/office/drawing/2014/main" id="{83D93EF6-7540-C9F8-A502-6B321C2531CA}"/>
-              </a:ext>
-            </a:extLst>
-          </p:cNvPr>
-          <p:cNvSpPr>
-            <a:spLocks noGrp="1" noRot="1" noChangeAspect="1"/>
-          </p:cNvSpPr>
-          <p:nvPr>
-            <p:ph type="sldImg"/>
-          </p:nvPr>
-        </p:nvSpPr>
-        <p:spPr/>
-      </p:sp>
-      <p:sp>
-        <p:nvSpPr>
-          <p:cNvPr id="3" name="Espace réservé des notes 2">
-            <a:extLst>
-              <a:ext uri="{FF2B5EF4-FFF2-40B4-BE49-F238E27FC236}">
-                <a16:creationId xmlns:a16="http://schemas.microsoft.com/office/drawing/2014/main" id="{6DFD6E83-93D4-CB55-2B3E-118B5FB30759}"/>
-              </a:ext>
-            </a:extLst>
-          </p:cNvPr>
-          <p:cNvSpPr>
-            <a:spLocks noGrp="1"/>
-          </p:cNvSpPr>
-          <p:nvPr>
-            <p:ph type="body" idx="1"/>
-          </p:nvPr>
-        </p:nvSpPr>
-        <p:spPr/>
-        <p:txBody>
-          <a:bodyPr/>
-          <a:lstStyle/>
-          <a:p>
-            <a:endParaRPr lang="fr-FR"/>
-          </a:p>
-        </p:txBody>
-      </p:sp>
-      <p:sp>
-        <p:nvSpPr>
-          <p:cNvPr id="4" name="Espace réservé du numéro de diapositive 3">
-            <a:extLst>
-              <a:ext uri="{FF2B5EF4-FFF2-40B4-BE49-F238E27FC236}">
-                <a16:creationId xmlns:a16="http://schemas.microsoft.com/office/drawing/2014/main" id="{867C5974-1A26-2B45-4FCE-BD17DFAD2F3C}"/>
-              </a:ext>
-            </a:extLst>
-          </p:cNvPr>
-          <p:cNvSpPr>
-            <a:spLocks noGrp="1"/>
-          </p:cNvSpPr>
-          <p:nvPr>
-            <p:ph type="sldNum" sz="quarter" idx="5"/>
-          </p:nvPr>
-        </p:nvSpPr>
-        <p:spPr/>
-        <p:txBody>
-          <a:bodyPr/>
-          <a:lstStyle/>
-          <a:p>
-            <a:fld id="{9FBF1E06-D5E6-D248-B45C-D8434899FAE8}" type="slidenum">
-              <a:t>1</a:t>
-            </a:fld>
-            <a:endParaRPr lang="fr-FR"/>
-          </a:p>
-        </p:txBody>
-      </p:sp>
-    </p:spTree>
-    <p:extLst>
-      <p:ext uri="{BB962C8B-B14F-4D97-AF65-F5344CB8AC3E}">
-        <p14:creationId xmlns:p14="http://schemas.microsoft.com/office/powerpoint/2010/main" val="2862676615"/>
-      </p:ext>
-    </p:extLst>
-  </p:cSld>
-  <p:clrMapOvr>
-    <a:masterClrMapping/>
-  </p:clrMapOvr>
-</p:notes>
-</file>
-
-<file path=ppt/notesSlides/notesSlide2.xml><?xml version="1.0" encoding="utf-8"?>
-<p:notes xmlns:a="http://schemas.openxmlformats.org/drawingml/2006/main" xmlns:r="http://schemas.openxmlformats.org/officeDocument/2006/relationships" xmlns:p="http://schemas.openxmlformats.org/presentationml/2006/main">
-  <p:cSld>
-    <p:spTree>
-      <p:nvGrpSpPr>
-        <p:cNvPr id="1" name="">
-          <a:extLst>
-            <a:ext uri="{FF2B5EF4-FFF2-40B4-BE49-F238E27FC236}">
               <a16:creationId xmlns:a16="http://schemas.microsoft.com/office/drawing/2014/main" id="{469ABD2E-A16D-30C4-5549-C0F72CA08D72}"/>
             </a:ext>
           </a:extLst>
@@ -658,7 +550,7 @@
           <a:lstStyle/>
           <a:p>
             <a:fld id="{9FBF1E06-D5E6-D248-B45C-D8434899FAE8}" type="slidenum">
-              <a:t>2</a:t>
+              <a:t>1</a:t>
             </a:fld>
             <a:endParaRPr lang="fr-FR"/>
           </a:p>
@@ -823,7 +715,7 @@
           <a:lstStyle/>
           <a:p>
             <a:fld id="{7017F4CF-FB7D-E643-B991-A4BE8CDC438F}" type="datetimeFigureOut">
-              <a:t>21/06/2025</a:t>
+              <a:t>16/07/2025</a:t>
             </a:fld>
             <a:endParaRPr lang="fr-FR"/>
           </a:p>
@@ -1019,7 +911,7 @@
           <a:lstStyle/>
           <a:p>
             <a:fld id="{7017F4CF-FB7D-E643-B991-A4BE8CDC438F}" type="datetimeFigureOut">
-              <a:t>21/06/2025</a:t>
+              <a:t>16/07/2025</a:t>
             </a:fld>
             <a:endParaRPr lang="fr-FR"/>
           </a:p>
@@ -1225,7 +1117,7 @@
           <a:lstStyle/>
           <a:p>
             <a:fld id="{7017F4CF-FB7D-E643-B991-A4BE8CDC438F}" type="datetimeFigureOut">
-              <a:t>21/06/2025</a:t>
+              <a:t>16/07/2025</a:t>
             </a:fld>
             <a:endParaRPr lang="fr-FR"/>
           </a:p>
@@ -1421,7 +1313,7 @@
           <a:lstStyle/>
           <a:p>
             <a:fld id="{7017F4CF-FB7D-E643-B991-A4BE8CDC438F}" type="datetimeFigureOut">
-              <a:t>21/06/2025</a:t>
+              <a:t>16/07/2025</a:t>
             </a:fld>
             <a:endParaRPr lang="fr-FR"/>
           </a:p>
@@ -1694,7 +1586,7 @@
           <a:lstStyle/>
           <a:p>
             <a:fld id="{7017F4CF-FB7D-E643-B991-A4BE8CDC438F}" type="datetimeFigureOut">
-              <a:t>21/06/2025</a:t>
+              <a:t>16/07/2025</a:t>
             </a:fld>
             <a:endParaRPr lang="fr-FR"/>
           </a:p>
@@ -1957,7 +1849,7 @@
           <a:lstStyle/>
           <a:p>
             <a:fld id="{7017F4CF-FB7D-E643-B991-A4BE8CDC438F}" type="datetimeFigureOut">
-              <a:t>21/06/2025</a:t>
+              <a:t>16/07/2025</a:t>
             </a:fld>
             <a:endParaRPr lang="fr-FR"/>
           </a:p>
@@ -2367,7 +2259,7 @@
           <a:lstStyle/>
           <a:p>
             <a:fld id="{7017F4CF-FB7D-E643-B991-A4BE8CDC438F}" type="datetimeFigureOut">
-              <a:t>21/06/2025</a:t>
+              <a:t>16/07/2025</a:t>
             </a:fld>
             <a:endParaRPr lang="fr-FR"/>
           </a:p>
@@ -2506,7 +2398,7 @@
           <a:lstStyle/>
           <a:p>
             <a:fld id="{7017F4CF-FB7D-E643-B991-A4BE8CDC438F}" type="datetimeFigureOut">
-              <a:t>21/06/2025</a:t>
+              <a:t>16/07/2025</a:t>
             </a:fld>
             <a:endParaRPr lang="fr-FR"/>
           </a:p>
@@ -2617,7 +2509,7 @@
           <a:lstStyle/>
           <a:p>
             <a:fld id="{7017F4CF-FB7D-E643-B991-A4BE8CDC438F}" type="datetimeFigureOut">
-              <a:t>21/06/2025</a:t>
+              <a:t>16/07/2025</a:t>
             </a:fld>
             <a:endParaRPr lang="fr-FR"/>
           </a:p>
@@ -2926,7 +2818,7 @@
           <a:lstStyle/>
           <a:p>
             <a:fld id="{7017F4CF-FB7D-E643-B991-A4BE8CDC438F}" type="datetimeFigureOut">
-              <a:t>21/06/2025</a:t>
+              <a:t>16/07/2025</a:t>
             </a:fld>
             <a:endParaRPr lang="fr-FR"/>
           </a:p>
@@ -3212,7 +3104,7 @@
           <a:lstStyle/>
           <a:p>
             <a:fld id="{7017F4CF-FB7D-E643-B991-A4BE8CDC438F}" type="datetimeFigureOut">
-              <a:t>21/06/2025</a:t>
+              <a:t>16/07/2025</a:t>
             </a:fld>
             <a:endParaRPr lang="fr-FR"/>
           </a:p>
@@ -3451,7 +3343,7 @@
           </a:lstStyle>
           <a:p>
             <a:fld id="{7017F4CF-FB7D-E643-B991-A4BE8CDC438F}" type="datetimeFigureOut">
-              <a:t>21/06/2025</a:t>
+              <a:t>16/07/2025</a:t>
             </a:fld>
             <a:endParaRPr lang="fr-FR"/>
           </a:p>
@@ -3858,814 +3750,6 @@
         <p:cNvPr id="1" name="">
           <a:extLst>
             <a:ext uri="{FF2B5EF4-FFF2-40B4-BE49-F238E27FC236}">
-              <a16:creationId xmlns:a16="http://schemas.microsoft.com/office/drawing/2014/main" id="{E4A45413-2BBD-F755-05D4-EC2B769EB09E}"/>
-            </a:ext>
-          </a:extLst>
-        </p:cNvPr>
-        <p:cNvGrpSpPr/>
-        <p:nvPr/>
-      </p:nvGrpSpPr>
-      <p:grpSpPr>
-        <a:xfrm>
-          <a:off x="0" y="0"/>
-          <a:ext cx="0" cy="0"/>
-          <a:chOff x="0" y="0"/>
-          <a:chExt cx="0" cy="0"/>
-        </a:xfrm>
-      </p:grpSpPr>
-      <p:grpSp>
-        <p:nvGrpSpPr>
-          <p:cNvPr id="19" name="Groupe 18">
-            <a:extLst>
-              <a:ext uri="{FF2B5EF4-FFF2-40B4-BE49-F238E27FC236}">
-                <a16:creationId xmlns:a16="http://schemas.microsoft.com/office/drawing/2014/main" id="{0052DC2D-3499-E37E-0169-9F4839747357}"/>
-              </a:ext>
-            </a:extLst>
-          </p:cNvPr>
-          <p:cNvGrpSpPr/>
-          <p:nvPr/>
-        </p:nvGrpSpPr>
-        <p:grpSpPr>
-          <a:xfrm>
-            <a:off x="5600281" y="1751743"/>
-            <a:ext cx="1622846" cy="584775"/>
-            <a:chOff x="2701544" y="1851593"/>
-            <a:chExt cx="1622846" cy="584775"/>
-          </a:xfrm>
-        </p:grpSpPr>
-        <p:pic>
-          <p:nvPicPr>
-            <p:cNvPr id="13" name="Picture 2" descr="New Document Office Paper Word Svg Png Icon Free Download (#511618) -  OnlineWebFonts.COM">
-              <a:extLst>
-                <a:ext uri="{FF2B5EF4-FFF2-40B4-BE49-F238E27FC236}">
-                  <a16:creationId xmlns:a16="http://schemas.microsoft.com/office/drawing/2014/main" id="{11E6545B-FA82-7640-85A0-DF490565EC9E}"/>
-                </a:ext>
-              </a:extLst>
-            </p:cNvPr>
-            <p:cNvPicPr>
-              <a:picLocks noChangeAspect="1" noChangeArrowheads="1"/>
-            </p:cNvPicPr>
-            <p:nvPr/>
-          </p:nvPicPr>
-          <p:blipFill rotWithShape="1">
-            <a:blip r:embed="rId3">
-              <a:extLst>
-                <a:ext uri="{28A0092B-C50C-407E-A947-70E740481C1C}">
-                  <a14:useLocalDpi xmlns:a14="http://schemas.microsoft.com/office/drawing/2010/main" val="0"/>
-                </a:ext>
-              </a:extLst>
-            </a:blip>
-            <a:srcRect l="14089" t="3599" r="14089" b="3245"/>
-            <a:stretch/>
-          </p:blipFill>
-          <p:spPr bwMode="auto">
-            <a:xfrm>
-              <a:off x="2701544" y="1897888"/>
-              <a:ext cx="415164" cy="538480"/>
-            </a:xfrm>
-            <a:prstGeom prst="rect">
-              <a:avLst/>
-            </a:prstGeom>
-            <a:noFill/>
-            <a:extLst>
-              <a:ext uri="{909E8E84-426E-40DD-AFC4-6F175D3DCCD1}">
-                <a14:hiddenFill xmlns:a14="http://schemas.microsoft.com/office/drawing/2010/main">
-                  <a:solidFill>
-                    <a:srgbClr val="FFFFFF"/>
-                  </a:solidFill>
-                </a14:hiddenFill>
-              </a:ext>
-            </a:extLst>
-          </p:spPr>
-        </p:pic>
-        <p:sp>
-          <p:nvSpPr>
-            <p:cNvPr id="16" name="ZoneTexte 15">
-              <a:extLst>
-                <a:ext uri="{FF2B5EF4-FFF2-40B4-BE49-F238E27FC236}">
-                  <a16:creationId xmlns:a16="http://schemas.microsoft.com/office/drawing/2014/main" id="{3A9B5B47-E08A-A266-A5C5-516641829A28}"/>
-                </a:ext>
-              </a:extLst>
-            </p:cNvPr>
-            <p:cNvSpPr txBox="1"/>
-            <p:nvPr/>
-          </p:nvSpPr>
-          <p:spPr>
-            <a:xfrm>
-              <a:off x="3100657" y="1851593"/>
-              <a:ext cx="1223733" cy="584775"/>
-            </a:xfrm>
-            <a:prstGeom prst="rect">
-              <a:avLst/>
-            </a:prstGeom>
-            <a:noFill/>
-          </p:spPr>
-          <p:txBody>
-            <a:bodyPr wrap="none" rtlCol="0">
-              <a:spAutoFit/>
-            </a:bodyPr>
-            <a:lstStyle/>
-            <a:p>
-              <a:r>
-                <a:rPr lang="fr-FR" b="1"/>
-                <a:t>Tutorial 1:</a:t>
-              </a:r>
-            </a:p>
-            <a:p>
-              <a:r>
-                <a:rPr lang="fr-FR" sz="1400"/>
-                <a:t>Collect data</a:t>
-              </a:r>
-            </a:p>
-          </p:txBody>
-        </p:sp>
-      </p:grpSp>
-      <p:sp>
-        <p:nvSpPr>
-          <p:cNvPr id="81" name="ZoneTexte 80">
-            <a:extLst>
-              <a:ext uri="{FF2B5EF4-FFF2-40B4-BE49-F238E27FC236}">
-                <a16:creationId xmlns:a16="http://schemas.microsoft.com/office/drawing/2014/main" id="{1E555F1D-90DB-096C-B3F5-1C37053F3D10}"/>
-              </a:ext>
-            </a:extLst>
-          </p:cNvPr>
-          <p:cNvSpPr txBox="1"/>
-          <p:nvPr/>
-        </p:nvSpPr>
-        <p:spPr>
-          <a:xfrm>
-            <a:off x="3512555" y="1045940"/>
-            <a:ext cx="4590616" cy="461665"/>
-          </a:xfrm>
-          <a:prstGeom prst="rect">
-            <a:avLst/>
-          </a:prstGeom>
-          <a:noFill/>
-        </p:spPr>
-        <p:txBody>
-          <a:bodyPr wrap="none" rtlCol="0">
-            <a:spAutoFit/>
-          </a:bodyPr>
-          <a:lstStyle/>
-          <a:p>
-            <a:pPr algn="ctr"/>
-            <a:r>
-              <a:rPr lang="fr-FR" sz="2400" b="1">
-                <a:latin typeface="Avenir Black" panose="02000503020000020003" pitchFamily="2" charset="0"/>
-                <a:cs typeface="Beirut" pitchFamily="2" charset="-78"/>
-              </a:rPr>
-              <a:t>MMSYN tutorials organization</a:t>
-            </a:r>
-          </a:p>
-        </p:txBody>
-      </p:sp>
-      <p:grpSp>
-        <p:nvGrpSpPr>
-          <p:cNvPr id="41" name="Groupe 40">
-            <a:extLst>
-              <a:ext uri="{FF2B5EF4-FFF2-40B4-BE49-F238E27FC236}">
-                <a16:creationId xmlns:a16="http://schemas.microsoft.com/office/drawing/2014/main" id="{52221583-EBBE-893B-DEDD-CED5091F7647}"/>
-              </a:ext>
-            </a:extLst>
-          </p:cNvPr>
-          <p:cNvGrpSpPr/>
-          <p:nvPr/>
-        </p:nvGrpSpPr>
-        <p:grpSpPr>
-          <a:xfrm>
-            <a:off x="5600281" y="2674165"/>
-            <a:ext cx="2594394" cy="584775"/>
-            <a:chOff x="2701544" y="1851593"/>
-            <a:chExt cx="2594394" cy="584775"/>
-          </a:xfrm>
-        </p:grpSpPr>
-        <p:pic>
-          <p:nvPicPr>
-            <p:cNvPr id="43" name="Picture 2" descr="New Document Office Paper Word Svg Png Icon Free Download (#511618) -  OnlineWebFonts.COM">
-              <a:extLst>
-                <a:ext uri="{FF2B5EF4-FFF2-40B4-BE49-F238E27FC236}">
-                  <a16:creationId xmlns:a16="http://schemas.microsoft.com/office/drawing/2014/main" id="{6846362C-B208-7690-E162-BCF8344CCAAF}"/>
-                </a:ext>
-              </a:extLst>
-            </p:cNvPr>
-            <p:cNvPicPr>
-              <a:picLocks noChangeAspect="1" noChangeArrowheads="1"/>
-            </p:cNvPicPr>
-            <p:nvPr/>
-          </p:nvPicPr>
-          <p:blipFill rotWithShape="1">
-            <a:blip r:embed="rId3">
-              <a:extLst>
-                <a:ext uri="{28A0092B-C50C-407E-A947-70E740481C1C}">
-                  <a14:useLocalDpi xmlns:a14="http://schemas.microsoft.com/office/drawing/2010/main" val="0"/>
-                </a:ext>
-              </a:extLst>
-            </a:blip>
-            <a:srcRect l="14089" t="3599" r="14089" b="3245"/>
-            <a:stretch/>
-          </p:blipFill>
-          <p:spPr bwMode="auto">
-            <a:xfrm>
-              <a:off x="2701544" y="1897888"/>
-              <a:ext cx="415164" cy="538480"/>
-            </a:xfrm>
-            <a:prstGeom prst="rect">
-              <a:avLst/>
-            </a:prstGeom>
-            <a:noFill/>
-            <a:extLst>
-              <a:ext uri="{909E8E84-426E-40DD-AFC4-6F175D3DCCD1}">
-                <a14:hiddenFill xmlns:a14="http://schemas.microsoft.com/office/drawing/2010/main">
-                  <a:solidFill>
-                    <a:srgbClr val="FFFFFF"/>
-                  </a:solidFill>
-                </a14:hiddenFill>
-              </a:ext>
-            </a:extLst>
-          </p:spPr>
-        </p:pic>
-        <p:sp>
-          <p:nvSpPr>
-            <p:cNvPr id="44" name="ZoneTexte 43">
-              <a:extLst>
-                <a:ext uri="{FF2B5EF4-FFF2-40B4-BE49-F238E27FC236}">
-                  <a16:creationId xmlns:a16="http://schemas.microsoft.com/office/drawing/2014/main" id="{248A889D-D55E-9B73-ED69-9AC3AE226F10}"/>
-                </a:ext>
-              </a:extLst>
-            </p:cNvPr>
-            <p:cNvSpPr txBox="1"/>
-            <p:nvPr/>
-          </p:nvSpPr>
-          <p:spPr>
-            <a:xfrm>
-              <a:off x="3100657" y="1851593"/>
-              <a:ext cx="2195281" cy="584775"/>
-            </a:xfrm>
-            <a:prstGeom prst="rect">
-              <a:avLst/>
-            </a:prstGeom>
-            <a:noFill/>
-          </p:spPr>
-          <p:txBody>
-            <a:bodyPr wrap="none" rtlCol="0">
-              <a:spAutoFit/>
-            </a:bodyPr>
-            <a:lstStyle/>
-            <a:p>
-              <a:r>
-                <a:rPr lang="fr-FR" b="1"/>
-                <a:t>Tutorial 2:</a:t>
-              </a:r>
-            </a:p>
-            <a:p>
-              <a:pPr algn="ctr"/>
-              <a:r>
-                <a:rPr lang="fr-FR" sz="1400"/>
-                <a:t>Check mass conservation</a:t>
-              </a:r>
-            </a:p>
-          </p:txBody>
-        </p:sp>
-      </p:grpSp>
-      <p:cxnSp>
-        <p:nvCxnSpPr>
-          <p:cNvPr id="45" name="Connecteur droit avec flèche 44">
-            <a:extLst>
-              <a:ext uri="{FF2B5EF4-FFF2-40B4-BE49-F238E27FC236}">
-                <a16:creationId xmlns:a16="http://schemas.microsoft.com/office/drawing/2014/main" id="{0814D0FF-3F41-2145-58F4-20A41F18C340}"/>
-              </a:ext>
-            </a:extLst>
-          </p:cNvPr>
-          <p:cNvCxnSpPr>
-            <a:cxnSpLocks/>
-            <a:stCxn id="13" idx="2"/>
-            <a:endCxn id="43" idx="0"/>
-          </p:cNvCxnSpPr>
-          <p:nvPr/>
-        </p:nvCxnSpPr>
-        <p:spPr>
-          <a:xfrm>
-            <a:off x="5807863" y="2336518"/>
-            <a:ext cx="0" cy="383942"/>
-          </a:xfrm>
-          <a:prstGeom prst="straightConnector1">
-            <a:avLst/>
-          </a:prstGeom>
-          <a:ln>
-            <a:tailEnd type="triangle" w="lg" len="lg"/>
-          </a:ln>
-        </p:spPr>
-        <p:style>
-          <a:lnRef idx="2">
-            <a:schemeClr val="dk1"/>
-          </a:lnRef>
-          <a:fillRef idx="0">
-            <a:schemeClr val="dk1"/>
-          </a:fillRef>
-          <a:effectRef idx="1">
-            <a:schemeClr val="dk1"/>
-          </a:effectRef>
-          <a:fontRef idx="minor">
-            <a:schemeClr val="tx1"/>
-          </a:fontRef>
-        </p:style>
-      </p:cxnSp>
-      <p:grpSp>
-        <p:nvGrpSpPr>
-          <p:cNvPr id="70" name="Groupe 69">
-            <a:extLst>
-              <a:ext uri="{FF2B5EF4-FFF2-40B4-BE49-F238E27FC236}">
-                <a16:creationId xmlns:a16="http://schemas.microsoft.com/office/drawing/2014/main" id="{5C12AC78-2BE4-16C5-872B-CDE57F90FC96}"/>
-              </a:ext>
-            </a:extLst>
-          </p:cNvPr>
-          <p:cNvGrpSpPr/>
-          <p:nvPr/>
-        </p:nvGrpSpPr>
-        <p:grpSpPr>
-          <a:xfrm>
-            <a:off x="5600281" y="3503078"/>
-            <a:ext cx="1868874" cy="800219"/>
-            <a:chOff x="2701544" y="1764968"/>
-            <a:chExt cx="1868874" cy="800219"/>
-          </a:xfrm>
-        </p:grpSpPr>
-        <p:pic>
-          <p:nvPicPr>
-            <p:cNvPr id="71" name="Picture 2" descr="New Document Office Paper Word Svg Png Icon Free Download (#511618) -  OnlineWebFonts.COM">
-              <a:extLst>
-                <a:ext uri="{FF2B5EF4-FFF2-40B4-BE49-F238E27FC236}">
-                  <a16:creationId xmlns:a16="http://schemas.microsoft.com/office/drawing/2014/main" id="{80AE060C-A84D-A9EE-7FDB-620A08AD2E42}"/>
-                </a:ext>
-              </a:extLst>
-            </p:cNvPr>
-            <p:cNvPicPr>
-              <a:picLocks noChangeAspect="1" noChangeArrowheads="1"/>
-            </p:cNvPicPr>
-            <p:nvPr/>
-          </p:nvPicPr>
-          <p:blipFill rotWithShape="1">
-            <a:blip r:embed="rId3">
-              <a:extLst>
-                <a:ext uri="{28A0092B-C50C-407E-A947-70E740481C1C}">
-                  <a14:useLocalDpi xmlns:a14="http://schemas.microsoft.com/office/drawing/2010/main" val="0"/>
-                </a:ext>
-              </a:extLst>
-            </a:blip>
-            <a:srcRect l="14089" t="3599" r="14089" b="3245"/>
-            <a:stretch/>
-          </p:blipFill>
-          <p:spPr bwMode="auto">
-            <a:xfrm>
-              <a:off x="2701544" y="1897888"/>
-              <a:ext cx="415164" cy="538480"/>
-            </a:xfrm>
-            <a:prstGeom prst="rect">
-              <a:avLst/>
-            </a:prstGeom>
-            <a:noFill/>
-            <a:extLst>
-              <a:ext uri="{909E8E84-426E-40DD-AFC4-6F175D3DCCD1}">
-                <a14:hiddenFill xmlns:a14="http://schemas.microsoft.com/office/drawing/2010/main">
-                  <a:solidFill>
-                    <a:srgbClr val="FFFFFF"/>
-                  </a:solidFill>
-                </a14:hiddenFill>
-              </a:ext>
-            </a:extLst>
-          </p:spPr>
-        </p:pic>
-        <p:sp>
-          <p:nvSpPr>
-            <p:cNvPr id="72" name="ZoneTexte 71">
-              <a:extLst>
-                <a:ext uri="{FF2B5EF4-FFF2-40B4-BE49-F238E27FC236}">
-                  <a16:creationId xmlns:a16="http://schemas.microsoft.com/office/drawing/2014/main" id="{CE22F4B5-CF44-D580-32CB-8EA23CF15648}"/>
-                </a:ext>
-              </a:extLst>
-            </p:cNvPr>
-            <p:cNvSpPr txBox="1"/>
-            <p:nvPr/>
-          </p:nvSpPr>
-          <p:spPr>
-            <a:xfrm>
-              <a:off x="3100657" y="1764968"/>
-              <a:ext cx="1469761" cy="800219"/>
-            </a:xfrm>
-            <a:prstGeom prst="rect">
-              <a:avLst/>
-            </a:prstGeom>
-            <a:noFill/>
-          </p:spPr>
-          <p:txBody>
-            <a:bodyPr wrap="none" rtlCol="0">
-              <a:spAutoFit/>
-            </a:bodyPr>
-            <a:lstStyle/>
-            <a:p>
-              <a:r>
-                <a:rPr lang="fr-FR" b="1"/>
-                <a:t>Tutorial 3:</a:t>
-              </a:r>
-            </a:p>
-            <a:p>
-              <a:r>
-                <a:rPr lang="fr-FR" sz="1400"/>
-                <a:t>Edit and simplify</a:t>
-              </a:r>
-            </a:p>
-            <a:p>
-              <a:r>
-                <a:rPr lang="fr-FR" sz="1400"/>
-                <a:t>the model</a:t>
-              </a:r>
-            </a:p>
-          </p:txBody>
-        </p:sp>
-      </p:grpSp>
-      <p:grpSp>
-        <p:nvGrpSpPr>
-          <p:cNvPr id="76" name="Groupe 75">
-            <a:extLst>
-              <a:ext uri="{FF2B5EF4-FFF2-40B4-BE49-F238E27FC236}">
-                <a16:creationId xmlns:a16="http://schemas.microsoft.com/office/drawing/2014/main" id="{E7E5DABF-0D58-E796-A2B7-F5ADB04FE46D}"/>
-              </a:ext>
-            </a:extLst>
-          </p:cNvPr>
-          <p:cNvGrpSpPr/>
-          <p:nvPr/>
-        </p:nvGrpSpPr>
-        <p:grpSpPr>
-          <a:xfrm>
-            <a:off x="3608810" y="4781648"/>
-            <a:ext cx="1749313" cy="800219"/>
-            <a:chOff x="1367395" y="1764967"/>
-            <a:chExt cx="1749313" cy="800219"/>
-          </a:xfrm>
-        </p:grpSpPr>
-        <p:pic>
-          <p:nvPicPr>
-            <p:cNvPr id="77" name="Picture 2" descr="New Document Office Paper Word Svg Png Icon Free Download (#511618) -  OnlineWebFonts.COM">
-              <a:extLst>
-                <a:ext uri="{FF2B5EF4-FFF2-40B4-BE49-F238E27FC236}">
-                  <a16:creationId xmlns:a16="http://schemas.microsoft.com/office/drawing/2014/main" id="{4CD6A343-B12E-1A95-4672-22FE98A2D959}"/>
-                </a:ext>
-              </a:extLst>
-            </p:cNvPr>
-            <p:cNvPicPr>
-              <a:picLocks noChangeAspect="1" noChangeArrowheads="1"/>
-            </p:cNvPicPr>
-            <p:nvPr/>
-          </p:nvPicPr>
-          <p:blipFill rotWithShape="1">
-            <a:blip r:embed="rId3">
-              <a:extLst>
-                <a:ext uri="{28A0092B-C50C-407E-A947-70E740481C1C}">
-                  <a14:useLocalDpi xmlns:a14="http://schemas.microsoft.com/office/drawing/2010/main" val="0"/>
-                </a:ext>
-              </a:extLst>
-            </a:blip>
-            <a:srcRect l="14089" t="3599" r="14089" b="3245"/>
-            <a:stretch/>
-          </p:blipFill>
-          <p:spPr bwMode="auto">
-            <a:xfrm>
-              <a:off x="2701544" y="1897888"/>
-              <a:ext cx="415164" cy="538480"/>
-            </a:xfrm>
-            <a:prstGeom prst="rect">
-              <a:avLst/>
-            </a:prstGeom>
-            <a:noFill/>
-            <a:extLst>
-              <a:ext uri="{909E8E84-426E-40DD-AFC4-6F175D3DCCD1}">
-                <a14:hiddenFill xmlns:a14="http://schemas.microsoft.com/office/drawing/2010/main">
-                  <a:solidFill>
-                    <a:srgbClr val="FFFFFF"/>
-                  </a:solidFill>
-                </a14:hiddenFill>
-              </a:ext>
-            </a:extLst>
-          </p:spPr>
-        </p:pic>
-        <p:sp>
-          <p:nvSpPr>
-            <p:cNvPr id="82" name="ZoneTexte 81">
-              <a:extLst>
-                <a:ext uri="{FF2B5EF4-FFF2-40B4-BE49-F238E27FC236}">
-                  <a16:creationId xmlns:a16="http://schemas.microsoft.com/office/drawing/2014/main" id="{8EA061AB-66EB-C8B8-45FA-A095D4BD4D3B}"/>
-                </a:ext>
-              </a:extLst>
-            </p:cNvPr>
-            <p:cNvSpPr txBox="1"/>
-            <p:nvPr/>
-          </p:nvSpPr>
-          <p:spPr>
-            <a:xfrm>
-              <a:off x="1367395" y="1764967"/>
-              <a:ext cx="1354666" cy="800219"/>
-            </a:xfrm>
-            <a:prstGeom prst="rect">
-              <a:avLst/>
-            </a:prstGeom>
-            <a:noFill/>
-          </p:spPr>
-          <p:txBody>
-            <a:bodyPr wrap="none" rtlCol="0">
-              <a:spAutoFit/>
-            </a:bodyPr>
-            <a:lstStyle/>
-            <a:p>
-              <a:pPr algn="r"/>
-              <a:r>
-                <a:rPr lang="fr-FR" b="1"/>
-                <a:t>Tutorial 4:</a:t>
-              </a:r>
-            </a:p>
-            <a:p>
-              <a:pPr algn="r"/>
-              <a:r>
-                <a:rPr lang="fr-FR" sz="1400"/>
-                <a:t>Build the</a:t>
-              </a:r>
-            </a:p>
-            <a:p>
-              <a:pPr algn="r"/>
-              <a:r>
-                <a:rPr lang="fr-FR" sz="1400"/>
-                <a:t>complete CGM</a:t>
-              </a:r>
-            </a:p>
-          </p:txBody>
-        </p:sp>
-      </p:grpSp>
-      <p:grpSp>
-        <p:nvGrpSpPr>
-          <p:cNvPr id="83" name="Groupe 82">
-            <a:extLst>
-              <a:ext uri="{FF2B5EF4-FFF2-40B4-BE49-F238E27FC236}">
-                <a16:creationId xmlns:a16="http://schemas.microsoft.com/office/drawing/2014/main" id="{314ECBC2-17DD-2705-2165-0C49C4C8B1EA}"/>
-              </a:ext>
-            </a:extLst>
-          </p:cNvPr>
-          <p:cNvGrpSpPr/>
-          <p:nvPr/>
-        </p:nvGrpSpPr>
-        <p:grpSpPr>
-          <a:xfrm>
-            <a:off x="6296638" y="4781648"/>
-            <a:ext cx="2025541" cy="800219"/>
-            <a:chOff x="2701544" y="1764967"/>
-            <a:chExt cx="2025541" cy="800219"/>
-          </a:xfrm>
-        </p:grpSpPr>
-        <p:pic>
-          <p:nvPicPr>
-            <p:cNvPr id="84" name="Picture 2" descr="New Document Office Paper Word Svg Png Icon Free Download (#511618) -  OnlineWebFonts.COM">
-              <a:extLst>
-                <a:ext uri="{FF2B5EF4-FFF2-40B4-BE49-F238E27FC236}">
-                  <a16:creationId xmlns:a16="http://schemas.microsoft.com/office/drawing/2014/main" id="{9068BA0D-3A67-F86E-B028-E347CFEF3B6C}"/>
-                </a:ext>
-              </a:extLst>
-            </p:cNvPr>
-            <p:cNvPicPr>
-              <a:picLocks noChangeAspect="1" noChangeArrowheads="1"/>
-            </p:cNvPicPr>
-            <p:nvPr/>
-          </p:nvPicPr>
-          <p:blipFill rotWithShape="1">
-            <a:blip r:embed="rId3">
-              <a:extLst>
-                <a:ext uri="{28A0092B-C50C-407E-A947-70E740481C1C}">
-                  <a14:useLocalDpi xmlns:a14="http://schemas.microsoft.com/office/drawing/2010/main" val="0"/>
-                </a:ext>
-              </a:extLst>
-            </a:blip>
-            <a:srcRect l="14089" t="3599" r="14089" b="3245"/>
-            <a:stretch/>
-          </p:blipFill>
-          <p:spPr bwMode="auto">
-            <a:xfrm>
-              <a:off x="2701544" y="1897888"/>
-              <a:ext cx="415164" cy="538480"/>
-            </a:xfrm>
-            <a:prstGeom prst="rect">
-              <a:avLst/>
-            </a:prstGeom>
-            <a:noFill/>
-            <a:extLst>
-              <a:ext uri="{909E8E84-426E-40DD-AFC4-6F175D3DCCD1}">
-                <a14:hiddenFill xmlns:a14="http://schemas.microsoft.com/office/drawing/2010/main">
-                  <a:solidFill>
-                    <a:srgbClr val="FFFFFF"/>
-                  </a:solidFill>
-                </a14:hiddenFill>
-              </a:ext>
-            </a:extLst>
-          </p:spPr>
-        </p:pic>
-        <p:sp>
-          <p:nvSpPr>
-            <p:cNvPr id="85" name="ZoneTexte 84">
-              <a:extLst>
-                <a:ext uri="{FF2B5EF4-FFF2-40B4-BE49-F238E27FC236}">
-                  <a16:creationId xmlns:a16="http://schemas.microsoft.com/office/drawing/2014/main" id="{48D76713-F9D6-BD5B-D906-9CF3F9EA0261}"/>
-                </a:ext>
-              </a:extLst>
-            </p:cNvPr>
-            <p:cNvSpPr txBox="1"/>
-            <p:nvPr/>
-          </p:nvSpPr>
-          <p:spPr>
-            <a:xfrm>
-              <a:off x="3086828" y="1764967"/>
-              <a:ext cx="1640257" cy="800219"/>
-            </a:xfrm>
-            <a:prstGeom prst="rect">
-              <a:avLst/>
-            </a:prstGeom>
-            <a:noFill/>
-          </p:spPr>
-          <p:txBody>
-            <a:bodyPr wrap="none" rtlCol="0">
-              <a:spAutoFit/>
-            </a:bodyPr>
-            <a:lstStyle/>
-            <a:p>
-              <a:r>
-                <a:rPr lang="fr-FR" b="1"/>
-                <a:t>Tutorial 5:</a:t>
-              </a:r>
-            </a:p>
-            <a:p>
-              <a:r>
-                <a:rPr lang="fr-FR" sz="1400"/>
-                <a:t>Build the full</a:t>
-              </a:r>
-            </a:p>
-            <a:p>
-              <a:r>
-                <a:rPr lang="fr-FR" sz="1400"/>
-                <a:t>column-rank CGM</a:t>
-              </a:r>
-            </a:p>
-          </p:txBody>
-        </p:sp>
-      </p:grpSp>
-      <p:cxnSp>
-        <p:nvCxnSpPr>
-          <p:cNvPr id="86" name="Connecteur en angle 85">
-            <a:extLst>
-              <a:ext uri="{FF2B5EF4-FFF2-40B4-BE49-F238E27FC236}">
-                <a16:creationId xmlns:a16="http://schemas.microsoft.com/office/drawing/2014/main" id="{1B584B95-D5D0-4F6C-2318-6333ABBB4C9F}"/>
-              </a:ext>
-            </a:extLst>
-          </p:cNvPr>
-          <p:cNvCxnSpPr>
-            <a:cxnSpLocks/>
-            <a:stCxn id="71" idx="2"/>
-            <a:endCxn id="84" idx="0"/>
-          </p:cNvCxnSpPr>
-          <p:nvPr/>
-        </p:nvCxnSpPr>
-        <p:spPr>
-          <a:xfrm rot="16200000" flipH="1">
-            <a:off x="5785996" y="4196344"/>
-            <a:ext cx="740091" cy="696357"/>
-          </a:xfrm>
-          <a:prstGeom prst="bentConnector3">
-            <a:avLst>
-              <a:gd name="adj1" fmla="val 50000"/>
-            </a:avLst>
-          </a:prstGeom>
-          <a:ln w="19050">
-            <a:tailEnd type="triangle" w="lg" len="lg"/>
-          </a:ln>
-        </p:spPr>
-        <p:style>
-          <a:lnRef idx="1">
-            <a:schemeClr val="dk1"/>
-          </a:lnRef>
-          <a:fillRef idx="0">
-            <a:schemeClr val="dk1"/>
-          </a:fillRef>
-          <a:effectRef idx="0">
-            <a:schemeClr val="dk1"/>
-          </a:effectRef>
-          <a:fontRef idx="minor">
-            <a:schemeClr val="tx1"/>
-          </a:fontRef>
-        </p:style>
-      </p:cxnSp>
-      <p:cxnSp>
-        <p:nvCxnSpPr>
-          <p:cNvPr id="89" name="Connecteur en angle 88">
-            <a:extLst>
-              <a:ext uri="{FF2B5EF4-FFF2-40B4-BE49-F238E27FC236}">
-                <a16:creationId xmlns:a16="http://schemas.microsoft.com/office/drawing/2014/main" id="{4E62E1A7-081D-77F5-E5C4-598F699C1AEF}"/>
-              </a:ext>
-            </a:extLst>
-          </p:cNvPr>
-          <p:cNvCxnSpPr>
-            <a:cxnSpLocks/>
-            <a:stCxn id="71" idx="2"/>
-            <a:endCxn id="77" idx="0"/>
-          </p:cNvCxnSpPr>
-          <p:nvPr/>
-        </p:nvCxnSpPr>
-        <p:spPr>
-          <a:xfrm rot="5400000">
-            <a:off x="5109157" y="4215862"/>
-            <a:ext cx="740091" cy="657322"/>
-          </a:xfrm>
-          <a:prstGeom prst="bentConnector3">
-            <a:avLst>
-              <a:gd name="adj1" fmla="val 50000"/>
-            </a:avLst>
-          </a:prstGeom>
-          <a:ln w="19050">
-            <a:tailEnd type="triangle" w="lg" len="lg"/>
-          </a:ln>
-        </p:spPr>
-        <p:style>
-          <a:lnRef idx="1">
-            <a:schemeClr val="dk1"/>
-          </a:lnRef>
-          <a:fillRef idx="0">
-            <a:schemeClr val="dk1"/>
-          </a:fillRef>
-          <a:effectRef idx="0">
-            <a:schemeClr val="dk1"/>
-          </a:effectRef>
-          <a:fontRef idx="minor">
-            <a:schemeClr val="tx1"/>
-          </a:fontRef>
-        </p:style>
-      </p:cxnSp>
-      <p:cxnSp>
-        <p:nvCxnSpPr>
-          <p:cNvPr id="2" name="Connecteur droit avec flèche 1">
-            <a:extLst>
-              <a:ext uri="{FF2B5EF4-FFF2-40B4-BE49-F238E27FC236}">
-                <a16:creationId xmlns:a16="http://schemas.microsoft.com/office/drawing/2014/main" id="{7C2B891F-5A0F-16E2-21B5-A6DD56419EE8}"/>
-              </a:ext>
-            </a:extLst>
-          </p:cNvPr>
-          <p:cNvCxnSpPr>
-            <a:cxnSpLocks/>
-            <a:stCxn id="43" idx="2"/>
-            <a:endCxn id="71" idx="0"/>
-          </p:cNvCxnSpPr>
-          <p:nvPr/>
-        </p:nvCxnSpPr>
-        <p:spPr>
-          <a:xfrm>
-            <a:off x="5807863" y="3258940"/>
-            <a:ext cx="0" cy="377058"/>
-          </a:xfrm>
-          <a:prstGeom prst="straightConnector1">
-            <a:avLst/>
-          </a:prstGeom>
-          <a:ln>
-            <a:tailEnd type="triangle" w="lg" len="lg"/>
-          </a:ln>
-        </p:spPr>
-        <p:style>
-          <a:lnRef idx="2">
-            <a:schemeClr val="dk1"/>
-          </a:lnRef>
-          <a:fillRef idx="0">
-            <a:schemeClr val="dk1"/>
-          </a:fillRef>
-          <a:effectRef idx="1">
-            <a:schemeClr val="dk1"/>
-          </a:effectRef>
-          <a:fontRef idx="minor">
-            <a:schemeClr val="tx1"/>
-          </a:fontRef>
-        </p:style>
-      </p:cxnSp>
-    </p:spTree>
-    <p:extLst>
-      <p:ext uri="{BB962C8B-B14F-4D97-AF65-F5344CB8AC3E}">
-        <p14:creationId xmlns:p14="http://schemas.microsoft.com/office/powerpoint/2010/main" val="2339145623"/>
-      </p:ext>
-    </p:extLst>
-  </p:cSld>
-  <p:clrMapOvr>
-    <a:masterClrMapping/>
-  </p:clrMapOvr>
-</p:sld>
-</file>
-
-<file path=ppt/slides/slide2.xml><?xml version="1.0" encoding="utf-8"?>
-<p:sld xmlns:a="http://schemas.openxmlformats.org/drawingml/2006/main" xmlns:r="http://schemas.openxmlformats.org/officeDocument/2006/relationships" xmlns:p="http://schemas.openxmlformats.org/presentationml/2006/main">
-  <p:cSld>
-    <p:spTree>
-      <p:nvGrpSpPr>
-        <p:cNvPr id="1" name="">
-          <a:extLst>
-            <a:ext uri="{FF2B5EF4-FFF2-40B4-BE49-F238E27FC236}">
               <a16:creationId xmlns:a16="http://schemas.microsoft.com/office/drawing/2014/main" id="{63014F42-82D4-AA98-FE82-4B0DE1489B9D}"/>
             </a:ext>
           </a:extLst>
@@ -4802,8 +3886,8 @@
         </p:nvSpPr>
         <p:spPr>
           <a:xfrm>
-            <a:off x="3512555" y="1045940"/>
-            <a:ext cx="4590616" cy="461665"/>
+            <a:off x="3566062" y="1045940"/>
+            <a:ext cx="5485092" cy="461665"/>
           </a:xfrm>
           <a:prstGeom prst="rect">
             <a:avLst/>
@@ -4822,7 +3906,7 @@
                 <a:latin typeface="Avenir Black" panose="02000503020000020003" pitchFamily="2" charset="0"/>
                 <a:cs typeface="Beirut" pitchFamily="2" charset="-78"/>
               </a:rPr>
-              <a:t>MMSYN tutorials organization</a:t>
+              <a:t>MMSYN_CGM tutorials organization</a:t>
             </a:r>
           </a:p>
         </p:txBody>
